--- a/CUDA_setting.pptx
+++ b/CUDA_setting.pptx
@@ -4745,6 +4745,72 @@
           </a:p>
         </p:txBody>
       </p:sp>
+      <p:pic>
+        <p:nvPicPr>
+          <p:cNvPr id="4" name="그림 3">
+            <a:extLst>
+              <a:ext uri="{FF2B5EF4-FFF2-40B4-BE49-F238E27FC236}">
+                <a16:creationId xmlns:a16="http://schemas.microsoft.com/office/drawing/2014/main" id="{D3178EEE-9C12-44D1-AE3F-4638FAC8E2D9}"/>
+              </a:ext>
+            </a:extLst>
+          </p:cNvPr>
+          <p:cNvPicPr>
+            <a:picLocks noChangeAspect="1"/>
+          </p:cNvPicPr>
+          <p:nvPr/>
+        </p:nvPicPr>
+        <p:blipFill>
+          <a:blip r:embed="rId3"/>
+          <a:stretch>
+            <a:fillRect/>
+          </a:stretch>
+        </p:blipFill>
+        <p:spPr>
+          <a:xfrm>
+            <a:off x="146129" y="2400370"/>
+            <a:ext cx="7769815" cy="4204741"/>
+          </a:xfrm>
+          <a:prstGeom prst="rect">
+            <a:avLst/>
+          </a:prstGeom>
+        </p:spPr>
+      </p:pic>
+      <p:sp>
+        <p:nvSpPr>
+          <p:cNvPr id="10" name="TextBox 9">
+            <a:extLst>
+              <a:ext uri="{FF2B5EF4-FFF2-40B4-BE49-F238E27FC236}">
+                <a16:creationId xmlns:a16="http://schemas.microsoft.com/office/drawing/2014/main" id="{D0421E4A-7A78-4D09-872C-30A412D793F7}"/>
+              </a:ext>
+            </a:extLst>
+          </p:cNvPr>
+          <p:cNvSpPr txBox="1"/>
+          <p:nvPr/>
+        </p:nvSpPr>
+        <p:spPr>
+          <a:xfrm>
+            <a:off x="7915944" y="6235779"/>
+            <a:ext cx="1487523" cy="369332"/>
+          </a:xfrm>
+          <a:prstGeom prst="rect">
+            <a:avLst/>
+          </a:prstGeom>
+          <a:noFill/>
+        </p:spPr>
+        <p:txBody>
+          <a:bodyPr wrap="none" rtlCol="0">
+            <a:spAutoFit/>
+          </a:bodyPr>
+          <a:lstStyle/>
+          <a:p>
+            <a:r>
+              <a:rPr lang="en-US" altLang="ko-KR"/>
+              <a:t>README.md</a:t>
+            </a:r>
+            <a:endParaRPr lang="ko-KR" altLang="en-US"/>
+          </a:p>
+        </p:txBody>
+      </p:sp>
     </p:spTree>
     <p:extLst>
       <p:ext uri="{BB962C8B-B14F-4D97-AF65-F5344CB8AC3E}">
